--- a/Affiches/Affiche.pptx
+++ b/Affiches/Affiche.pptx
@@ -289,7 +289,7 @@
             <a:fld id="{FC4BB252-A889-4523-89F5-C20149F76FCC}" type="datetimeFigureOut">
               <a:rPr lang="fr-FR" smtClean="0"/>
               <a:pPr/>
-              <a:t>28/03/2014</a:t>
+              <a:t>29/03/2014</a:t>
             </a:fld>
             <a:endParaRPr lang="fr-FR"/>
           </a:p>
@@ -456,7 +456,7 @@
             <a:fld id="{FC4BB252-A889-4523-89F5-C20149F76FCC}" type="datetimeFigureOut">
               <a:rPr lang="fr-FR" smtClean="0"/>
               <a:pPr/>
-              <a:t>28/03/2014</a:t>
+              <a:t>29/03/2014</a:t>
             </a:fld>
             <a:endParaRPr lang="fr-FR"/>
           </a:p>
@@ -633,7 +633,7 @@
             <a:fld id="{FC4BB252-A889-4523-89F5-C20149F76FCC}" type="datetimeFigureOut">
               <a:rPr lang="fr-FR" smtClean="0"/>
               <a:pPr/>
-              <a:t>28/03/2014</a:t>
+              <a:t>29/03/2014</a:t>
             </a:fld>
             <a:endParaRPr lang="fr-FR"/>
           </a:p>
@@ -800,7 +800,7 @@
             <a:fld id="{FC4BB252-A889-4523-89F5-C20149F76FCC}" type="datetimeFigureOut">
               <a:rPr lang="fr-FR" smtClean="0"/>
               <a:pPr/>
-              <a:t>28/03/2014</a:t>
+              <a:t>29/03/2014</a:t>
             </a:fld>
             <a:endParaRPr lang="fr-FR"/>
           </a:p>
@@ -1043,7 +1043,7 @@
             <a:fld id="{FC4BB252-A889-4523-89F5-C20149F76FCC}" type="datetimeFigureOut">
               <a:rPr lang="fr-FR" smtClean="0"/>
               <a:pPr/>
-              <a:t>28/03/2014</a:t>
+              <a:t>29/03/2014</a:t>
             </a:fld>
             <a:endParaRPr lang="fr-FR"/>
           </a:p>
@@ -1328,7 +1328,7 @@
             <a:fld id="{FC4BB252-A889-4523-89F5-C20149F76FCC}" type="datetimeFigureOut">
               <a:rPr lang="fr-FR" smtClean="0"/>
               <a:pPr/>
-              <a:t>28/03/2014</a:t>
+              <a:t>29/03/2014</a:t>
             </a:fld>
             <a:endParaRPr lang="fr-FR"/>
           </a:p>
@@ -1752,7 +1752,7 @@
             <a:fld id="{FC4BB252-A889-4523-89F5-C20149F76FCC}" type="datetimeFigureOut">
               <a:rPr lang="fr-FR" smtClean="0"/>
               <a:pPr/>
-              <a:t>28/03/2014</a:t>
+              <a:t>29/03/2014</a:t>
             </a:fld>
             <a:endParaRPr lang="fr-FR"/>
           </a:p>
@@ -1867,7 +1867,7 @@
             <a:fld id="{FC4BB252-A889-4523-89F5-C20149F76FCC}" type="datetimeFigureOut">
               <a:rPr lang="fr-FR" smtClean="0"/>
               <a:pPr/>
-              <a:t>28/03/2014</a:t>
+              <a:t>29/03/2014</a:t>
             </a:fld>
             <a:endParaRPr lang="fr-FR"/>
           </a:p>
@@ -1959,7 +1959,7 @@
             <a:fld id="{FC4BB252-A889-4523-89F5-C20149F76FCC}" type="datetimeFigureOut">
               <a:rPr lang="fr-FR" smtClean="0"/>
               <a:pPr/>
-              <a:t>28/03/2014</a:t>
+              <a:t>29/03/2014</a:t>
             </a:fld>
             <a:endParaRPr lang="fr-FR"/>
           </a:p>
@@ -2233,7 +2233,7 @@
             <a:fld id="{FC4BB252-A889-4523-89F5-C20149F76FCC}" type="datetimeFigureOut">
               <a:rPr lang="fr-FR" smtClean="0"/>
               <a:pPr/>
-              <a:t>28/03/2014</a:t>
+              <a:t>29/03/2014</a:t>
             </a:fld>
             <a:endParaRPr lang="fr-FR"/>
           </a:p>
@@ -2483,7 +2483,7 @@
             <a:fld id="{FC4BB252-A889-4523-89F5-C20149F76FCC}" type="datetimeFigureOut">
               <a:rPr lang="fr-FR" smtClean="0"/>
               <a:pPr/>
-              <a:t>28/03/2014</a:t>
+              <a:t>29/03/2014</a:t>
             </a:fld>
             <a:endParaRPr lang="fr-FR"/>
           </a:p>
@@ -2693,7 +2693,7 @@
             <a:fld id="{FC4BB252-A889-4523-89F5-C20149F76FCC}" type="datetimeFigureOut">
               <a:rPr lang="fr-FR" smtClean="0"/>
               <a:pPr/>
-              <a:t>28/03/2014</a:t>
+              <a:t>29/03/2014</a:t>
             </a:fld>
             <a:endParaRPr lang="fr-FR"/>
           </a:p>
@@ -3105,8 +3105,29 @@
                 </a:solidFill>
                 <a:latin typeface="Tw Cen MT" pitchFamily="34" charset="0"/>
               </a:rPr>
-              <a:t>Contexte &amp; Objectifs</a:t>
-            </a:r>
+              <a:t>Contexte &amp; </a:t>
+            </a:r>
+            <a:r>
+              <a:rPr lang="fr-FR" sz="2800" b="1" dirty="0" smtClean="0">
+                <a:solidFill>
+                  <a:schemeClr val="accent2">
+                    <a:lumMod val="40000"/>
+                    <a:lumOff val="60000"/>
+                  </a:schemeClr>
+                </a:solidFill>
+                <a:latin typeface="Tw Cen MT" pitchFamily="34" charset="0"/>
+              </a:rPr>
+              <a:t>Objectif</a:t>
+            </a:r>
+            <a:endParaRPr lang="fr-FR" sz="2800" b="1" dirty="0" smtClean="0">
+              <a:solidFill>
+                <a:schemeClr val="accent2">
+                  <a:lumMod val="40000"/>
+                  <a:lumOff val="60000"/>
+                </a:schemeClr>
+              </a:solidFill>
+              <a:latin typeface="Tw Cen MT" pitchFamily="34" charset="0"/>
+            </a:endParaRPr>
           </a:p>
           <a:p>
             <a:pPr algn="just"/>
@@ -3454,7 +3475,34 @@
                 </a:solidFill>
                 <a:latin typeface="Tw Cen MT" pitchFamily="34" charset="0"/>
               </a:rPr>
-              <a:t>Utilisation d'une méthode de calcul heuristique, qui nous a permis d’obtenir une solution réalisable mais non nécessairement optimale ou exacte.</a:t>
+              <a:t>Utilisation d'une méthode de calcul heuristique, qui nous a permis d’obtenir une solution réalisable </a:t>
+            </a:r>
+            <a:r>
+              <a:rPr lang="fr-FR" sz="2000" smtClean="0">
+                <a:solidFill>
+                  <a:schemeClr val="bg1"/>
+                </a:solidFill>
+                <a:latin typeface="Tw Cen MT" pitchFamily="34" charset="0"/>
+              </a:rPr>
+              <a:t>mais </a:t>
+            </a:r>
+            <a:r>
+              <a:rPr lang="fr-FR" sz="2000" smtClean="0">
+                <a:solidFill>
+                  <a:schemeClr val="bg1"/>
+                </a:solidFill>
+                <a:latin typeface="Tw Cen MT" pitchFamily="34" charset="0"/>
+              </a:rPr>
+              <a:t>pas nécessairement </a:t>
+            </a:r>
+            <a:r>
+              <a:rPr lang="fr-FR" sz="2000" dirty="0" smtClean="0">
+                <a:solidFill>
+                  <a:schemeClr val="bg1"/>
+                </a:solidFill>
+                <a:latin typeface="Tw Cen MT" pitchFamily="34" charset="0"/>
+              </a:rPr>
+              <a:t>optimale ou exacte.</a:t>
             </a:r>
           </a:p>
         </p:txBody>
